--- a/Lectures/A4.a_R-DataAnalysis.pptx
+++ b/Lectures/A4.a_R-DataAnalysis.pptx
@@ -19304,7 +19304,207 @@
             </a:pPr>
             <a:r>
               <a:rPr lang="en" sz="1400"/>
-              <a:t>x</a:t>
+              <a:t>Bash</a:t>
+            </a:r>
+            <a:endParaRPr sz="1400"/>
+          </a:p>
+          <a:p>
+            <a:pPr indent="-317500" lvl="1" marL="914400" rtl="0" algn="l">
+              <a:lnSpc>
+                <a:spcPct val="115000"/>
+              </a:lnSpc>
+              <a:spcBef>
+                <a:spcPts val="0"/>
+              </a:spcBef>
+              <a:spcAft>
+                <a:spcPts val="0"/>
+              </a:spcAft>
+              <a:buSzPts val="1400"/>
+              <a:buChar char="○"/>
+            </a:pPr>
+            <a:r>
+              <a:rPr lang="en"/>
+              <a:t>pipes</a:t>
+            </a:r>
+            <a:endParaRPr sz="1400"/>
+          </a:p>
+          <a:p>
+            <a:pPr indent="-317500" lvl="0" marL="457200" rtl="0" algn="l">
+              <a:lnSpc>
+                <a:spcPct val="115000"/>
+              </a:lnSpc>
+              <a:spcBef>
+                <a:spcPts val="0"/>
+              </a:spcBef>
+              <a:spcAft>
+                <a:spcPts val="0"/>
+              </a:spcAft>
+              <a:buSzPts val="1400"/>
+              <a:buChar char="●"/>
+            </a:pPr>
+            <a:r>
+              <a:rPr lang="en" sz="1400"/>
+              <a:t>Loops</a:t>
+            </a:r>
+            <a:endParaRPr sz="1400"/>
+          </a:p>
+          <a:p>
+            <a:pPr indent="-317500" lvl="0" marL="457200" rtl="0" algn="l">
+              <a:lnSpc>
+                <a:spcPct val="115000"/>
+              </a:lnSpc>
+              <a:spcBef>
+                <a:spcPts val="0"/>
+              </a:spcBef>
+              <a:spcAft>
+                <a:spcPts val="0"/>
+              </a:spcAft>
+              <a:buSzPts val="1400"/>
+              <a:buChar char="●"/>
+            </a:pPr>
+            <a:r>
+              <a:rPr lang="en" sz="1400"/>
+              <a:t>R basics (also has pipes, but haven’t reviewed)</a:t>
+            </a:r>
+            <a:endParaRPr sz="1400"/>
+          </a:p>
+          <a:p>
+            <a:pPr indent="-317500" lvl="1" marL="914400" rtl="0" algn="l">
+              <a:lnSpc>
+                <a:spcPct val="115000"/>
+              </a:lnSpc>
+              <a:spcBef>
+                <a:spcPts val="0"/>
+              </a:spcBef>
+              <a:spcAft>
+                <a:spcPts val="0"/>
+              </a:spcAft>
+              <a:buSzPts val="1400"/>
+              <a:buChar char="○"/>
+            </a:pPr>
+            <a:r>
+              <a:rPr lang="en"/>
+              <a:t>Objects (ie data types)</a:t>
+            </a:r>
+            <a:endParaRPr/>
+          </a:p>
+          <a:p>
+            <a:pPr indent="-317500" lvl="1" marL="914400" rtl="0" algn="l">
+              <a:lnSpc>
+                <a:spcPct val="115000"/>
+              </a:lnSpc>
+              <a:spcBef>
+                <a:spcPts val="0"/>
+              </a:spcBef>
+              <a:spcAft>
+                <a:spcPts val="0"/>
+              </a:spcAft>
+              <a:buSzPts val="1400"/>
+              <a:buChar char="○"/>
+            </a:pPr>
+            <a:r>
+              <a:rPr lang="en"/>
+              <a:t>Dataframes, matrices</a:t>
+            </a:r>
+            <a:endParaRPr/>
+          </a:p>
+          <a:p>
+            <a:pPr indent="-317500" lvl="1" marL="914400" rtl="0" algn="l">
+              <a:lnSpc>
+                <a:spcPct val="115000"/>
+              </a:lnSpc>
+              <a:spcBef>
+                <a:spcPts val="0"/>
+              </a:spcBef>
+              <a:spcAft>
+                <a:spcPts val="0"/>
+              </a:spcAft>
+              <a:buSzPts val="1400"/>
+              <a:buChar char="○"/>
+            </a:pPr>
+            <a:r>
+              <a:rPr lang="en"/>
+              <a:t>Data types</a:t>
+            </a:r>
+            <a:endParaRPr/>
+          </a:p>
+          <a:p>
+            <a:pPr indent="-317500" lvl="1" marL="914400" rtl="0" algn="l">
+              <a:lnSpc>
+                <a:spcPct val="115000"/>
+              </a:lnSpc>
+              <a:spcBef>
+                <a:spcPts val="0"/>
+              </a:spcBef>
+              <a:spcAft>
+                <a:spcPts val="0"/>
+              </a:spcAft>
+              <a:buSzPts val="1400"/>
+              <a:buChar char="○"/>
+            </a:pPr>
+            <a:r>
+              <a:rPr lang="en"/>
+              <a:t>Functions and operators</a:t>
+            </a:r>
+            <a:endParaRPr/>
+          </a:p>
+          <a:p>
+            <a:pPr indent="-317500" lvl="1" marL="914400" rtl="0" algn="l">
+              <a:lnSpc>
+                <a:spcPct val="115000"/>
+              </a:lnSpc>
+              <a:spcBef>
+                <a:spcPts val="0"/>
+              </a:spcBef>
+              <a:spcAft>
+                <a:spcPts val="0"/>
+              </a:spcAft>
+              <a:buSzPts val="1400"/>
+              <a:buChar char="○"/>
+            </a:pPr>
+            <a:r>
+              <a:rPr lang="en"/>
+              <a:t>Plotting (not quite yet.. Kind of)</a:t>
+            </a:r>
+            <a:endParaRPr/>
+          </a:p>
+          <a:p>
+            <a:pPr indent="-317500" lvl="0" marL="457200" rtl="0" algn="l">
+              <a:lnSpc>
+                <a:spcPct val="115000"/>
+              </a:lnSpc>
+              <a:spcBef>
+                <a:spcPts val="0"/>
+              </a:spcBef>
+              <a:spcAft>
+                <a:spcPts val="0"/>
+              </a:spcAft>
+              <a:buSzPts val="1400"/>
+              <a:buChar char="●"/>
+            </a:pPr>
+            <a:r>
+              <a:rPr lang="en" sz="1400"/>
+              <a:t>Jupyter notebook architecture, Jupyter Hub (navigation, usages)</a:t>
+            </a:r>
+            <a:endParaRPr sz="1400"/>
+          </a:p>
+          <a:p>
+            <a:pPr indent="-317500" lvl="0" marL="457200" rtl="0" algn="l">
+              <a:lnSpc>
+                <a:spcPct val="115000"/>
+              </a:lnSpc>
+              <a:spcBef>
+                <a:spcPts val="0"/>
+              </a:spcBef>
+              <a:spcAft>
+                <a:spcPts val="0"/>
+              </a:spcAft>
+              <a:buSzPts val="1400"/>
+              <a:buChar char="●"/>
+            </a:pPr>
+            <a:r>
+              <a:rPr lang="en" sz="1400"/>
+              <a:t>Syntax (associated errors, ie debugging)</a:t>
             </a:r>
             <a:endParaRPr sz="1400"/>
           </a:p>
@@ -23471,7 +23671,7 @@
             <a:tbl>
               <a:tblPr>
                 <a:noFill/>
-                <a:tableStyleId>{760C56E3-24DC-4011-A273-BF8BDC87067E}</a:tableStyleId>
+                <a:tableStyleId>{AE668CC3-9615-4F2A-AB49-C9A7050F12AA}</a:tableStyleId>
               </a:tblPr>
               <a:tblGrid>
                 <a:gridCol w="864075"/>
@@ -24549,7 +24749,7 @@
             <a:tbl>
               <a:tblPr>
                 <a:noFill/>
-                <a:tableStyleId>{760C56E3-24DC-4011-A273-BF8BDC87067E}</a:tableStyleId>
+                <a:tableStyleId>{AE668CC3-9615-4F2A-AB49-C9A7050F12AA}</a:tableStyleId>
               </a:tblPr>
               <a:tblGrid>
                 <a:gridCol w="751250"/>
@@ -26497,9 +26697,226 @@
                   <a:srgbClr val="666666"/>
                 </a:solidFill>
               </a:rPr>
-              <a:t>x</a:t>
-            </a:r>
-            <a:endParaRPr sz="1400">
+              <a:t>RNA-Seq matrices (includes single-cell)</a:t>
+            </a:r>
+            <a:endParaRPr>
+              <a:solidFill>
+                <a:srgbClr val="666666"/>
+              </a:solidFill>
+            </a:endParaRPr>
+          </a:p>
+          <a:p>
+            <a:pPr indent="-317500" lvl="1" marL="914400" rtl="0" algn="l">
+              <a:lnSpc>
+                <a:spcPct val="115000"/>
+              </a:lnSpc>
+              <a:spcBef>
+                <a:spcPts val="0"/>
+              </a:spcBef>
+              <a:spcAft>
+                <a:spcPts val="0"/>
+              </a:spcAft>
+              <a:buClr>
+                <a:srgbClr val="666666"/>
+              </a:buClr>
+              <a:buSzPts val="1400"/>
+              <a:buChar char="○"/>
+            </a:pPr>
+            <a:r>
+              <a:rPr lang="en">
+                <a:solidFill>
+                  <a:srgbClr val="666666"/>
+                </a:solidFill>
+              </a:rPr>
+              <a:t>Microarray</a:t>
+            </a:r>
+            <a:endParaRPr>
+              <a:solidFill>
+                <a:srgbClr val="666666"/>
+              </a:solidFill>
+            </a:endParaRPr>
+          </a:p>
+          <a:p>
+            <a:pPr indent="-317500" lvl="1" marL="914400" rtl="0" algn="l">
+              <a:lnSpc>
+                <a:spcPct val="115000"/>
+              </a:lnSpc>
+              <a:spcBef>
+                <a:spcPts val="0"/>
+              </a:spcBef>
+              <a:spcAft>
+                <a:spcPts val="0"/>
+              </a:spcAft>
+              <a:buClr>
+                <a:srgbClr val="666666"/>
+              </a:buClr>
+              <a:buSzPts val="1400"/>
+              <a:buChar char="○"/>
+            </a:pPr>
+            <a:r>
+              <a:rPr lang="en">
+                <a:solidFill>
+                  <a:srgbClr val="666666"/>
+                </a:solidFill>
+              </a:rPr>
+              <a:t>16S, ITS, 18S amplicon sequence data (markers) -- microbes, population haplotypes</a:t>
+            </a:r>
+            <a:endParaRPr>
+              <a:solidFill>
+                <a:srgbClr val="666666"/>
+              </a:solidFill>
+            </a:endParaRPr>
+          </a:p>
+          <a:p>
+            <a:pPr indent="-317500" lvl="1" marL="914400" rtl="0" algn="l">
+              <a:lnSpc>
+                <a:spcPct val="115000"/>
+              </a:lnSpc>
+              <a:spcBef>
+                <a:spcPts val="0"/>
+              </a:spcBef>
+              <a:spcAft>
+                <a:spcPts val="0"/>
+              </a:spcAft>
+              <a:buClr>
+                <a:srgbClr val="666666"/>
+              </a:buClr>
+              <a:buSzPts val="1400"/>
+              <a:buChar char="○"/>
+            </a:pPr>
+            <a:r>
+              <a:rPr lang="en">
+                <a:solidFill>
+                  <a:srgbClr val="666666"/>
+                </a:solidFill>
+              </a:rPr>
+              <a:t>Colony counts</a:t>
+            </a:r>
+            <a:endParaRPr>
+              <a:solidFill>
+                <a:srgbClr val="666666"/>
+              </a:solidFill>
+            </a:endParaRPr>
+          </a:p>
+          <a:p>
+            <a:pPr indent="-317500" lvl="1" marL="914400" rtl="0" algn="l">
+              <a:lnSpc>
+                <a:spcPct val="115000"/>
+              </a:lnSpc>
+              <a:spcBef>
+                <a:spcPts val="0"/>
+              </a:spcBef>
+              <a:spcAft>
+                <a:spcPts val="0"/>
+              </a:spcAft>
+              <a:buClr>
+                <a:srgbClr val="666666"/>
+              </a:buClr>
+              <a:buSzPts val="1400"/>
+              <a:buChar char="○"/>
+            </a:pPr>
+            <a:r>
+              <a:rPr lang="en">
+                <a:solidFill>
+                  <a:srgbClr val="666666"/>
+                </a:solidFill>
+              </a:rPr>
+              <a:t>SNP (haplotypes, markers)</a:t>
+            </a:r>
+            <a:endParaRPr>
+              <a:solidFill>
+                <a:srgbClr val="666666"/>
+              </a:solidFill>
+            </a:endParaRPr>
+          </a:p>
+          <a:p>
+            <a:pPr indent="-317500" lvl="1" marL="914400" rtl="0" algn="l">
+              <a:lnSpc>
+                <a:spcPct val="115000"/>
+              </a:lnSpc>
+              <a:spcBef>
+                <a:spcPts val="0"/>
+              </a:spcBef>
+              <a:spcAft>
+                <a:spcPts val="0"/>
+              </a:spcAft>
+              <a:buClr>
+                <a:srgbClr val="666666"/>
+              </a:buClr>
+              <a:buSzPts val="1400"/>
+              <a:buChar char="○"/>
+            </a:pPr>
+            <a:r>
+              <a:rPr lang="en">
+                <a:solidFill>
+                  <a:srgbClr val="666666"/>
+                </a:solidFill>
+              </a:rPr>
+              <a:t>NCBI: nucleotide sequences, aa sequences </a:t>
+            </a:r>
+            <a:endParaRPr>
+              <a:solidFill>
+                <a:srgbClr val="666666"/>
+              </a:solidFill>
+            </a:endParaRPr>
+          </a:p>
+          <a:p>
+            <a:pPr indent="-317500" lvl="2" marL="1371600" rtl="0" algn="l">
+              <a:lnSpc>
+                <a:spcPct val="115000"/>
+              </a:lnSpc>
+              <a:spcBef>
+                <a:spcPts val="0"/>
+              </a:spcBef>
+              <a:spcAft>
+                <a:spcPts val="0"/>
+              </a:spcAft>
+              <a:buClr>
+                <a:srgbClr val="666666"/>
+              </a:buClr>
+              <a:buSzPts val="1400"/>
+              <a:buChar char="■"/>
+            </a:pPr>
+            <a:r>
+              <a:rPr lang="en">
+                <a:solidFill>
+                  <a:srgbClr val="666666"/>
+                </a:solidFill>
+              </a:rPr>
+              <a:t>Bash (.txt) &gt; R (.txt, .csv)</a:t>
+            </a:r>
+            <a:endParaRPr>
+              <a:solidFill>
+                <a:srgbClr val="666666"/>
+              </a:solidFill>
+            </a:endParaRPr>
+          </a:p>
+          <a:p>
+            <a:pPr indent="-317500" lvl="1" marL="914400" rtl="0" algn="l">
+              <a:lnSpc>
+                <a:spcPct val="115000"/>
+              </a:lnSpc>
+              <a:spcBef>
+                <a:spcPts val="0"/>
+              </a:spcBef>
+              <a:spcAft>
+                <a:spcPts val="0"/>
+              </a:spcAft>
+              <a:buClr>
+                <a:srgbClr val="666666"/>
+              </a:buClr>
+              <a:buSzPts val="1400"/>
+              <a:buChar char="○"/>
+            </a:pPr>
+            <a:r>
+              <a:rPr lang="en">
+                <a:solidFill>
+                  <a:srgbClr val="666666"/>
+                </a:solidFill>
+              </a:rPr>
+              <a:t>meta-analyses</a:t>
+            </a:r>
+            <a:endParaRPr>
               <a:solidFill>
                 <a:srgbClr val="666666"/>
               </a:solidFill>
@@ -26578,9 +26995,17 @@
                   <a:srgbClr val="000000"/>
                 </a:solidFill>
               </a:rPr>
-              <a:t>NAV-D14_DEseq2.csv (demo)</a:t>
-            </a:r>
-            <a:endParaRPr>
+              <a:t>NAV-D14_DEseq2.csv (demo): </a:t>
+            </a:r>
+            <a:r>
+              <a:rPr lang="en" sz="2000">
+                <a:solidFill>
+                  <a:srgbClr val="000000"/>
+                </a:solidFill>
+              </a:rPr>
+              <a:t>naive CD8 T cells, Day 14</a:t>
+            </a:r>
+            <a:endParaRPr sz="2000">
               <a:solidFill>
                 <a:srgbClr val="000000"/>
               </a:solidFill>
@@ -31935,9 +32360,9 @@
 </file>
 
 <file path=ppt/theme/theme1.xml><?xml version="1.0" encoding="utf-8"?>
-<a:theme xmlns:a="http://schemas.openxmlformats.org/drawingml/2006/main" xmlns:r="http://schemas.openxmlformats.org/officeDocument/2006/relationships">
+<a:theme xmlns:a="http://schemas.openxmlformats.org/drawingml/2006/main" xmlns:r="http://schemas.openxmlformats.org/officeDocument/2006/relationships" name="Simple Light">
   <a:themeElements>
-    <a:clrScheme name="Default">
+    <a:clrScheme name="Simple Light">
       <a:dk1>
         <a:srgbClr val="000000"/>
       </a:dk1>
@@ -31945,34 +32370,34 @@
         <a:srgbClr val="FFFFFF"/>
       </a:lt1>
       <a:dk2>
-        <a:srgbClr val="158158"/>
+        <a:srgbClr val="595959"/>
       </a:dk2>
       <a:lt2>
-        <a:srgbClr val="F3F3F3"/>
+        <a:srgbClr val="EEEEEE"/>
       </a:lt2>
       <a:accent1>
-        <a:srgbClr val="058DC7"/>
+        <a:srgbClr val="FFAB40"/>
       </a:accent1>
       <a:accent2>
-        <a:srgbClr val="50B432"/>
+        <a:srgbClr val="212121"/>
       </a:accent2>
       <a:accent3>
-        <a:srgbClr val="ED561B"/>
+        <a:srgbClr val="78909C"/>
       </a:accent3>
       <a:accent4>
-        <a:srgbClr val="EDEF00"/>
+        <a:srgbClr val="FFAB40"/>
       </a:accent4>
       <a:accent5>
-        <a:srgbClr val="24CBE5"/>
+        <a:srgbClr val="0097A7"/>
       </a:accent5>
       <a:accent6>
-        <a:srgbClr val="64E572"/>
+        <a:srgbClr val="EEFF41"/>
       </a:accent6>
       <a:hlink>
-        <a:srgbClr val="2200CC"/>
+        <a:srgbClr val="0097A7"/>
       </a:hlink>
       <a:folHlink>
-        <a:srgbClr val="551A8B"/>
+        <a:srgbClr val="0097A7"/>
       </a:folHlink>
     </a:clrScheme>
     <a:fontScheme name="Office">
@@ -32493,9 +32918,9 @@
 </file>
 
 <file path=ppt/theme/theme3.xml><?xml version="1.0" encoding="utf-8"?>
-<a:theme xmlns:a="http://schemas.openxmlformats.org/drawingml/2006/main" xmlns:r="http://schemas.openxmlformats.org/officeDocument/2006/relationships" name="Simple Light">
+<a:theme xmlns:a="http://schemas.openxmlformats.org/drawingml/2006/main" xmlns:r="http://schemas.openxmlformats.org/officeDocument/2006/relationships">
   <a:themeElements>
-    <a:clrScheme name="Simple Light">
+    <a:clrScheme name="Default">
       <a:dk1>
         <a:srgbClr val="000000"/>
       </a:dk1>
@@ -32503,34 +32928,34 @@
         <a:srgbClr val="FFFFFF"/>
       </a:lt1>
       <a:dk2>
-        <a:srgbClr val="595959"/>
+        <a:srgbClr val="158158"/>
       </a:dk2>
       <a:lt2>
-        <a:srgbClr val="EEEEEE"/>
+        <a:srgbClr val="F3F3F3"/>
       </a:lt2>
       <a:accent1>
-        <a:srgbClr val="FFAB40"/>
+        <a:srgbClr val="058DC7"/>
       </a:accent1>
       <a:accent2>
-        <a:srgbClr val="212121"/>
+        <a:srgbClr val="50B432"/>
       </a:accent2>
       <a:accent3>
-        <a:srgbClr val="78909C"/>
+        <a:srgbClr val="ED561B"/>
       </a:accent3>
       <a:accent4>
-        <a:srgbClr val="FFAB40"/>
+        <a:srgbClr val="EDEF00"/>
       </a:accent4>
       <a:accent5>
-        <a:srgbClr val="0097A7"/>
+        <a:srgbClr val="24CBE5"/>
       </a:accent5>
       <a:accent6>
-        <a:srgbClr val="EEFF41"/>
+        <a:srgbClr val="64E572"/>
       </a:accent6>
       <a:hlink>
-        <a:srgbClr val="0097A7"/>
+        <a:srgbClr val="2200CC"/>
       </a:hlink>
       <a:folHlink>
-        <a:srgbClr val="0097A7"/>
+        <a:srgbClr val="551A8B"/>
       </a:folHlink>
     </a:clrScheme>
     <a:fontScheme name="Office">
